--- a/ppt 16-9/0986.时代的挑战.pptx
+++ b/ppt 16-9/0986.时代的挑战.pptx
@@ -129,7 +129,7 @@
           <p:cNvPr id="2" name="标题 1">
             <a:extLst>
               <a:ext uri="{FF2B5EF4-FFF2-40B4-BE49-F238E27FC236}">
-                <a16:creationId xmlns:a16="http://schemas.microsoft.com/office/drawing/2014/main" id="{70478523-5218-6536-B42D-848964FCF35F}"/>
+                <a16:creationId xmlns:a16="http://schemas.microsoft.com/office/drawing/2014/main" id="{2757C234-7188-C930-3E18-FA0D1A12A398}"/>
               </a:ext>
             </a:extLst>
           </p:cNvPr>
@@ -166,7 +166,7 @@
           <p:cNvPr id="3" name="副标题 2">
             <a:extLst>
               <a:ext uri="{FF2B5EF4-FFF2-40B4-BE49-F238E27FC236}">
-                <a16:creationId xmlns:a16="http://schemas.microsoft.com/office/drawing/2014/main" id="{53AC05A5-A023-F4D3-37D2-5D0ECA475AC2}"/>
+                <a16:creationId xmlns:a16="http://schemas.microsoft.com/office/drawing/2014/main" id="{EE232984-DE4D-0058-23D7-F87C8206CF11}"/>
               </a:ext>
             </a:extLst>
           </p:cNvPr>
@@ -236,7 +236,7 @@
           <p:cNvPr id="4" name="日期占位符 3">
             <a:extLst>
               <a:ext uri="{FF2B5EF4-FFF2-40B4-BE49-F238E27FC236}">
-                <a16:creationId xmlns:a16="http://schemas.microsoft.com/office/drawing/2014/main" id="{BE7EDA60-119C-F732-E49C-B3AA4E46A444}"/>
+                <a16:creationId xmlns:a16="http://schemas.microsoft.com/office/drawing/2014/main" id="{C64FF48F-6309-6B9C-FFD8-0849255322DF}"/>
               </a:ext>
             </a:extLst>
           </p:cNvPr>
@@ -252,7 +252,7 @@
           <a:bodyPr/>
           <a:lstStyle/>
           <a:p>
-            <a:fld id="{1CDE0127-47C3-4BB6-85CF-23A6BE72F327}" type="datetimeFigureOut">
+            <a:fld id="{54D1DAF0-9582-4996-B5FC-1D5F1260277B}" type="datetimeFigureOut">
               <a:rPr lang="zh-CN" altLang="en-US" smtClean="0"/>
               <a:t>2024/3/10</a:t>
             </a:fld>
@@ -265,7 +265,7 @@
           <p:cNvPr id="5" name="页脚占位符 4">
             <a:extLst>
               <a:ext uri="{FF2B5EF4-FFF2-40B4-BE49-F238E27FC236}">
-                <a16:creationId xmlns:a16="http://schemas.microsoft.com/office/drawing/2014/main" id="{A04DAC83-77D6-7B6A-B2B6-F335D7F19606}"/>
+                <a16:creationId xmlns:a16="http://schemas.microsoft.com/office/drawing/2014/main" id="{E5F4DB20-B8DC-9EEA-3C1E-AA4B1181EA0E}"/>
               </a:ext>
             </a:extLst>
           </p:cNvPr>
@@ -290,7 +290,7 @@
           <p:cNvPr id="6" name="灯片编号占位符 5">
             <a:extLst>
               <a:ext uri="{FF2B5EF4-FFF2-40B4-BE49-F238E27FC236}">
-                <a16:creationId xmlns:a16="http://schemas.microsoft.com/office/drawing/2014/main" id="{00154492-B5D1-37A0-D4E5-8847B22B017B}"/>
+                <a16:creationId xmlns:a16="http://schemas.microsoft.com/office/drawing/2014/main" id="{B59FC0AF-7BC0-9042-23BA-AFCC99B11D70}"/>
               </a:ext>
             </a:extLst>
           </p:cNvPr>
@@ -306,7 +306,7 @@
           <a:bodyPr/>
           <a:lstStyle/>
           <a:p>
-            <a:fld id="{F6035F14-D01F-4C21-9DC7-CF8218BFEB82}" type="slidenum">
+            <a:fld id="{D75125E8-9C3D-4F79-9EA3-5408E50D9E7F}" type="slidenum">
               <a:rPr lang="zh-CN" altLang="en-US" smtClean="0"/>
               <a:t>‹#›</a:t>
             </a:fld>
@@ -317,7 +317,7 @@
     </p:spTree>
     <p:extLst>
       <p:ext uri="{BB962C8B-B14F-4D97-AF65-F5344CB8AC3E}">
-        <p14:creationId xmlns:p14="http://schemas.microsoft.com/office/powerpoint/2010/main" val="2887607245"/>
+        <p14:creationId xmlns:p14="http://schemas.microsoft.com/office/powerpoint/2010/main" val="656022037"/>
       </p:ext>
     </p:extLst>
   </p:cSld>
@@ -349,7 +349,7 @@
           <p:cNvPr id="2" name="标题 1">
             <a:extLst>
               <a:ext uri="{FF2B5EF4-FFF2-40B4-BE49-F238E27FC236}">
-                <a16:creationId xmlns:a16="http://schemas.microsoft.com/office/drawing/2014/main" id="{CDDD2060-C51F-40BD-E967-91DBAF2A6BC2}"/>
+                <a16:creationId xmlns:a16="http://schemas.microsoft.com/office/drawing/2014/main" id="{ABB2687D-076F-5610-1281-EFC2E786E101}"/>
               </a:ext>
             </a:extLst>
           </p:cNvPr>
@@ -377,7 +377,7 @@
           <p:cNvPr id="3" name="竖排文字占位符 2">
             <a:extLst>
               <a:ext uri="{FF2B5EF4-FFF2-40B4-BE49-F238E27FC236}">
-                <a16:creationId xmlns:a16="http://schemas.microsoft.com/office/drawing/2014/main" id="{37985FEF-8B82-6462-9866-434F22795D68}"/>
+                <a16:creationId xmlns:a16="http://schemas.microsoft.com/office/drawing/2014/main" id="{86D7EE64-935D-863C-B0A7-41C962B23BC9}"/>
               </a:ext>
             </a:extLst>
           </p:cNvPr>
@@ -434,7 +434,7 @@
           <p:cNvPr id="4" name="日期占位符 3">
             <a:extLst>
               <a:ext uri="{FF2B5EF4-FFF2-40B4-BE49-F238E27FC236}">
-                <a16:creationId xmlns:a16="http://schemas.microsoft.com/office/drawing/2014/main" id="{3663E4F8-7F3A-EE38-9399-C16036A646CE}"/>
+                <a16:creationId xmlns:a16="http://schemas.microsoft.com/office/drawing/2014/main" id="{09FA89C8-8D6F-F18F-ABB8-58D008E33552}"/>
               </a:ext>
             </a:extLst>
           </p:cNvPr>
@@ -450,7 +450,7 @@
           <a:bodyPr/>
           <a:lstStyle/>
           <a:p>
-            <a:fld id="{1CDE0127-47C3-4BB6-85CF-23A6BE72F327}" type="datetimeFigureOut">
+            <a:fld id="{54D1DAF0-9582-4996-B5FC-1D5F1260277B}" type="datetimeFigureOut">
               <a:rPr lang="zh-CN" altLang="en-US" smtClean="0"/>
               <a:t>2024/3/10</a:t>
             </a:fld>
@@ -463,7 +463,7 @@
           <p:cNvPr id="5" name="页脚占位符 4">
             <a:extLst>
               <a:ext uri="{FF2B5EF4-FFF2-40B4-BE49-F238E27FC236}">
-                <a16:creationId xmlns:a16="http://schemas.microsoft.com/office/drawing/2014/main" id="{4CA5D72F-9E23-1253-4406-BF947ED21C7F}"/>
+                <a16:creationId xmlns:a16="http://schemas.microsoft.com/office/drawing/2014/main" id="{41EE92F8-9151-2AEC-41CD-0A34BC1915F0}"/>
               </a:ext>
             </a:extLst>
           </p:cNvPr>
@@ -488,7 +488,7 @@
           <p:cNvPr id="6" name="灯片编号占位符 5">
             <a:extLst>
               <a:ext uri="{FF2B5EF4-FFF2-40B4-BE49-F238E27FC236}">
-                <a16:creationId xmlns:a16="http://schemas.microsoft.com/office/drawing/2014/main" id="{7C41FE56-8077-3855-F1A0-7EF0468BE494}"/>
+                <a16:creationId xmlns:a16="http://schemas.microsoft.com/office/drawing/2014/main" id="{9FEA0D35-3661-BC99-5712-A3C2EA6CE1AB}"/>
               </a:ext>
             </a:extLst>
           </p:cNvPr>
@@ -504,7 +504,7 @@
           <a:bodyPr/>
           <a:lstStyle/>
           <a:p>
-            <a:fld id="{F6035F14-D01F-4C21-9DC7-CF8218BFEB82}" type="slidenum">
+            <a:fld id="{D75125E8-9C3D-4F79-9EA3-5408E50D9E7F}" type="slidenum">
               <a:rPr lang="zh-CN" altLang="en-US" smtClean="0"/>
               <a:t>‹#›</a:t>
             </a:fld>
@@ -515,7 +515,7 @@
     </p:spTree>
     <p:extLst>
       <p:ext uri="{BB962C8B-B14F-4D97-AF65-F5344CB8AC3E}">
-        <p14:creationId xmlns:p14="http://schemas.microsoft.com/office/powerpoint/2010/main" val="2540558148"/>
+        <p14:creationId xmlns:p14="http://schemas.microsoft.com/office/powerpoint/2010/main" val="2403977719"/>
       </p:ext>
     </p:extLst>
   </p:cSld>
@@ -547,7 +547,7 @@
           <p:cNvPr id="2" name="竖排标题 1">
             <a:extLst>
               <a:ext uri="{FF2B5EF4-FFF2-40B4-BE49-F238E27FC236}">
-                <a16:creationId xmlns:a16="http://schemas.microsoft.com/office/drawing/2014/main" id="{24D4AEB3-1F30-572E-E320-A4A211F50CDE}"/>
+                <a16:creationId xmlns:a16="http://schemas.microsoft.com/office/drawing/2014/main" id="{DF2EA20D-A911-2FBA-CA0D-4120DCE25F73}"/>
               </a:ext>
             </a:extLst>
           </p:cNvPr>
@@ -580,7 +580,7 @@
           <p:cNvPr id="3" name="竖排文字占位符 2">
             <a:extLst>
               <a:ext uri="{FF2B5EF4-FFF2-40B4-BE49-F238E27FC236}">
-                <a16:creationId xmlns:a16="http://schemas.microsoft.com/office/drawing/2014/main" id="{5BFC98B9-9143-0C4B-A7FE-891658B83FE3}"/>
+                <a16:creationId xmlns:a16="http://schemas.microsoft.com/office/drawing/2014/main" id="{17DEEA99-963A-86D3-7438-E58809051796}"/>
               </a:ext>
             </a:extLst>
           </p:cNvPr>
@@ -642,7 +642,7 @@
           <p:cNvPr id="4" name="日期占位符 3">
             <a:extLst>
               <a:ext uri="{FF2B5EF4-FFF2-40B4-BE49-F238E27FC236}">
-                <a16:creationId xmlns:a16="http://schemas.microsoft.com/office/drawing/2014/main" id="{691C48EF-8943-9AC2-B76F-A90EFE0AF533}"/>
+                <a16:creationId xmlns:a16="http://schemas.microsoft.com/office/drawing/2014/main" id="{458F6748-CA58-48E8-2217-3451D1F3482D}"/>
               </a:ext>
             </a:extLst>
           </p:cNvPr>
@@ -658,7 +658,7 @@
           <a:bodyPr/>
           <a:lstStyle/>
           <a:p>
-            <a:fld id="{1CDE0127-47C3-4BB6-85CF-23A6BE72F327}" type="datetimeFigureOut">
+            <a:fld id="{54D1DAF0-9582-4996-B5FC-1D5F1260277B}" type="datetimeFigureOut">
               <a:rPr lang="zh-CN" altLang="en-US" smtClean="0"/>
               <a:t>2024/3/10</a:t>
             </a:fld>
@@ -671,7 +671,7 @@
           <p:cNvPr id="5" name="页脚占位符 4">
             <a:extLst>
               <a:ext uri="{FF2B5EF4-FFF2-40B4-BE49-F238E27FC236}">
-                <a16:creationId xmlns:a16="http://schemas.microsoft.com/office/drawing/2014/main" id="{A8377B03-4767-D79D-FD82-A5AAB4FC1713}"/>
+                <a16:creationId xmlns:a16="http://schemas.microsoft.com/office/drawing/2014/main" id="{FEDE03D7-CD12-0990-0536-003442E077E6}"/>
               </a:ext>
             </a:extLst>
           </p:cNvPr>
@@ -696,7 +696,7 @@
           <p:cNvPr id="6" name="灯片编号占位符 5">
             <a:extLst>
               <a:ext uri="{FF2B5EF4-FFF2-40B4-BE49-F238E27FC236}">
-                <a16:creationId xmlns:a16="http://schemas.microsoft.com/office/drawing/2014/main" id="{63B965C9-BFEB-8F3D-19FA-0E46C3055399}"/>
+                <a16:creationId xmlns:a16="http://schemas.microsoft.com/office/drawing/2014/main" id="{A74085DB-E022-D4D4-FF93-4AEC1EA667CA}"/>
               </a:ext>
             </a:extLst>
           </p:cNvPr>
@@ -712,7 +712,7 @@
           <a:bodyPr/>
           <a:lstStyle/>
           <a:p>
-            <a:fld id="{F6035F14-D01F-4C21-9DC7-CF8218BFEB82}" type="slidenum">
+            <a:fld id="{D75125E8-9C3D-4F79-9EA3-5408E50D9E7F}" type="slidenum">
               <a:rPr lang="zh-CN" altLang="en-US" smtClean="0"/>
               <a:t>‹#›</a:t>
             </a:fld>
@@ -723,7 +723,7 @@
     </p:spTree>
     <p:extLst>
       <p:ext uri="{BB962C8B-B14F-4D97-AF65-F5344CB8AC3E}">
-        <p14:creationId xmlns:p14="http://schemas.microsoft.com/office/powerpoint/2010/main" val="4226138783"/>
+        <p14:creationId xmlns:p14="http://schemas.microsoft.com/office/powerpoint/2010/main" val="2036969589"/>
       </p:ext>
     </p:extLst>
   </p:cSld>
@@ -755,7 +755,7 @@
           <p:cNvPr id="2" name="标题 1">
             <a:extLst>
               <a:ext uri="{FF2B5EF4-FFF2-40B4-BE49-F238E27FC236}">
-                <a16:creationId xmlns:a16="http://schemas.microsoft.com/office/drawing/2014/main" id="{4358F95D-3E63-E4D8-8073-D7E7F7ADC78F}"/>
+                <a16:creationId xmlns:a16="http://schemas.microsoft.com/office/drawing/2014/main" id="{881B8AF4-F99A-0780-F277-B8D7A6AAB632}"/>
               </a:ext>
             </a:extLst>
           </p:cNvPr>
@@ -783,7 +783,7 @@
           <p:cNvPr id="3" name="内容占位符 2">
             <a:extLst>
               <a:ext uri="{FF2B5EF4-FFF2-40B4-BE49-F238E27FC236}">
-                <a16:creationId xmlns:a16="http://schemas.microsoft.com/office/drawing/2014/main" id="{6D95721E-E824-0B36-3C6A-4E23C7080151}"/>
+                <a16:creationId xmlns:a16="http://schemas.microsoft.com/office/drawing/2014/main" id="{54D2DA9E-5B84-F5A3-5A8E-6973F8BFC189}"/>
               </a:ext>
             </a:extLst>
           </p:cNvPr>
@@ -840,7 +840,7 @@
           <p:cNvPr id="4" name="日期占位符 3">
             <a:extLst>
               <a:ext uri="{FF2B5EF4-FFF2-40B4-BE49-F238E27FC236}">
-                <a16:creationId xmlns:a16="http://schemas.microsoft.com/office/drawing/2014/main" id="{2A0C028F-CECA-250C-D60D-592D87B8974F}"/>
+                <a16:creationId xmlns:a16="http://schemas.microsoft.com/office/drawing/2014/main" id="{086C34E4-F3F1-F91A-3AE0-7FE5198C9C1E}"/>
               </a:ext>
             </a:extLst>
           </p:cNvPr>
@@ -856,7 +856,7 @@
           <a:bodyPr/>
           <a:lstStyle/>
           <a:p>
-            <a:fld id="{1CDE0127-47C3-4BB6-85CF-23A6BE72F327}" type="datetimeFigureOut">
+            <a:fld id="{54D1DAF0-9582-4996-B5FC-1D5F1260277B}" type="datetimeFigureOut">
               <a:rPr lang="zh-CN" altLang="en-US" smtClean="0"/>
               <a:t>2024/3/10</a:t>
             </a:fld>
@@ -869,7 +869,7 @@
           <p:cNvPr id="5" name="页脚占位符 4">
             <a:extLst>
               <a:ext uri="{FF2B5EF4-FFF2-40B4-BE49-F238E27FC236}">
-                <a16:creationId xmlns:a16="http://schemas.microsoft.com/office/drawing/2014/main" id="{1ED3A820-1EE2-2DAE-5177-5818A23DD0C7}"/>
+                <a16:creationId xmlns:a16="http://schemas.microsoft.com/office/drawing/2014/main" id="{822FE89E-15FC-6D88-2558-69D0EC7AC35A}"/>
               </a:ext>
             </a:extLst>
           </p:cNvPr>
@@ -894,7 +894,7 @@
           <p:cNvPr id="6" name="灯片编号占位符 5">
             <a:extLst>
               <a:ext uri="{FF2B5EF4-FFF2-40B4-BE49-F238E27FC236}">
-                <a16:creationId xmlns:a16="http://schemas.microsoft.com/office/drawing/2014/main" id="{1C036306-72AC-AAEB-F1B4-39440B435DED}"/>
+                <a16:creationId xmlns:a16="http://schemas.microsoft.com/office/drawing/2014/main" id="{203F706D-F80C-2C0A-D12E-C37E64F205AA}"/>
               </a:ext>
             </a:extLst>
           </p:cNvPr>
@@ -910,7 +910,7 @@
           <a:bodyPr/>
           <a:lstStyle/>
           <a:p>
-            <a:fld id="{F6035F14-D01F-4C21-9DC7-CF8218BFEB82}" type="slidenum">
+            <a:fld id="{D75125E8-9C3D-4F79-9EA3-5408E50D9E7F}" type="slidenum">
               <a:rPr lang="zh-CN" altLang="en-US" smtClean="0"/>
               <a:t>‹#›</a:t>
             </a:fld>
@@ -921,7 +921,7 @@
     </p:spTree>
     <p:extLst>
       <p:ext uri="{BB962C8B-B14F-4D97-AF65-F5344CB8AC3E}">
-        <p14:creationId xmlns:p14="http://schemas.microsoft.com/office/powerpoint/2010/main" val="3970026303"/>
+        <p14:creationId xmlns:p14="http://schemas.microsoft.com/office/powerpoint/2010/main" val="1055675166"/>
       </p:ext>
     </p:extLst>
   </p:cSld>
@@ -953,7 +953,7 @@
           <p:cNvPr id="2" name="标题 1">
             <a:extLst>
               <a:ext uri="{FF2B5EF4-FFF2-40B4-BE49-F238E27FC236}">
-                <a16:creationId xmlns:a16="http://schemas.microsoft.com/office/drawing/2014/main" id="{D654D68D-E69A-2D38-3A4A-2D67F4C55C4B}"/>
+                <a16:creationId xmlns:a16="http://schemas.microsoft.com/office/drawing/2014/main" id="{8892358D-9058-013B-8787-9ECE8BE2209C}"/>
               </a:ext>
             </a:extLst>
           </p:cNvPr>
@@ -990,7 +990,7 @@
           <p:cNvPr id="3" name="文本占位符 2">
             <a:extLst>
               <a:ext uri="{FF2B5EF4-FFF2-40B4-BE49-F238E27FC236}">
-                <a16:creationId xmlns:a16="http://schemas.microsoft.com/office/drawing/2014/main" id="{B32F3228-3A75-0AF3-6487-92988C09BD79}"/>
+                <a16:creationId xmlns:a16="http://schemas.microsoft.com/office/drawing/2014/main" id="{F37C74E7-429F-7509-B1B6-59AB0C6A85C3}"/>
               </a:ext>
             </a:extLst>
           </p:cNvPr>
@@ -1115,7 +1115,7 @@
           <p:cNvPr id="4" name="日期占位符 3">
             <a:extLst>
               <a:ext uri="{FF2B5EF4-FFF2-40B4-BE49-F238E27FC236}">
-                <a16:creationId xmlns:a16="http://schemas.microsoft.com/office/drawing/2014/main" id="{A31BCDF2-9625-6094-ADA7-4535C833C2B7}"/>
+                <a16:creationId xmlns:a16="http://schemas.microsoft.com/office/drawing/2014/main" id="{6800E504-AF14-2755-AB71-4E81A131A564}"/>
               </a:ext>
             </a:extLst>
           </p:cNvPr>
@@ -1131,7 +1131,7 @@
           <a:bodyPr/>
           <a:lstStyle/>
           <a:p>
-            <a:fld id="{1CDE0127-47C3-4BB6-85CF-23A6BE72F327}" type="datetimeFigureOut">
+            <a:fld id="{54D1DAF0-9582-4996-B5FC-1D5F1260277B}" type="datetimeFigureOut">
               <a:rPr lang="zh-CN" altLang="en-US" smtClean="0"/>
               <a:t>2024/3/10</a:t>
             </a:fld>
@@ -1144,7 +1144,7 @@
           <p:cNvPr id="5" name="页脚占位符 4">
             <a:extLst>
               <a:ext uri="{FF2B5EF4-FFF2-40B4-BE49-F238E27FC236}">
-                <a16:creationId xmlns:a16="http://schemas.microsoft.com/office/drawing/2014/main" id="{A54BB3EF-FA2E-E691-F296-55B98F160AF9}"/>
+                <a16:creationId xmlns:a16="http://schemas.microsoft.com/office/drawing/2014/main" id="{C08443EF-82AF-229C-3E0B-B731E84223CB}"/>
               </a:ext>
             </a:extLst>
           </p:cNvPr>
@@ -1169,7 +1169,7 @@
           <p:cNvPr id="6" name="灯片编号占位符 5">
             <a:extLst>
               <a:ext uri="{FF2B5EF4-FFF2-40B4-BE49-F238E27FC236}">
-                <a16:creationId xmlns:a16="http://schemas.microsoft.com/office/drawing/2014/main" id="{76F30F9E-6E76-B8D1-F484-45179728E6C3}"/>
+                <a16:creationId xmlns:a16="http://schemas.microsoft.com/office/drawing/2014/main" id="{775F6263-CED1-DBC3-9772-38A10013E172}"/>
               </a:ext>
             </a:extLst>
           </p:cNvPr>
@@ -1185,7 +1185,7 @@
           <a:bodyPr/>
           <a:lstStyle/>
           <a:p>
-            <a:fld id="{F6035F14-D01F-4C21-9DC7-CF8218BFEB82}" type="slidenum">
+            <a:fld id="{D75125E8-9C3D-4F79-9EA3-5408E50D9E7F}" type="slidenum">
               <a:rPr lang="zh-CN" altLang="en-US" smtClean="0"/>
               <a:t>‹#›</a:t>
             </a:fld>
@@ -1196,7 +1196,7 @@
     </p:spTree>
     <p:extLst>
       <p:ext uri="{BB962C8B-B14F-4D97-AF65-F5344CB8AC3E}">
-        <p14:creationId xmlns:p14="http://schemas.microsoft.com/office/powerpoint/2010/main" val="2030497917"/>
+        <p14:creationId xmlns:p14="http://schemas.microsoft.com/office/powerpoint/2010/main" val="4083353874"/>
       </p:ext>
     </p:extLst>
   </p:cSld>
@@ -1228,7 +1228,7 @@
           <p:cNvPr id="2" name="标题 1">
             <a:extLst>
               <a:ext uri="{FF2B5EF4-FFF2-40B4-BE49-F238E27FC236}">
-                <a16:creationId xmlns:a16="http://schemas.microsoft.com/office/drawing/2014/main" id="{58063276-9C73-9FED-35F0-7350456B5AB8}"/>
+                <a16:creationId xmlns:a16="http://schemas.microsoft.com/office/drawing/2014/main" id="{9687C659-85CE-13FE-4F01-83F5133A83E8}"/>
               </a:ext>
             </a:extLst>
           </p:cNvPr>
@@ -1256,7 +1256,7 @@
           <p:cNvPr id="3" name="内容占位符 2">
             <a:extLst>
               <a:ext uri="{FF2B5EF4-FFF2-40B4-BE49-F238E27FC236}">
-                <a16:creationId xmlns:a16="http://schemas.microsoft.com/office/drawing/2014/main" id="{BF71EDE4-1337-8FC3-0038-2EB8A7AE6868}"/>
+                <a16:creationId xmlns:a16="http://schemas.microsoft.com/office/drawing/2014/main" id="{D0CCD2C6-2800-820C-ECE0-A01FCBD17CA4}"/>
               </a:ext>
             </a:extLst>
           </p:cNvPr>
@@ -1318,7 +1318,7 @@
           <p:cNvPr id="4" name="内容占位符 3">
             <a:extLst>
               <a:ext uri="{FF2B5EF4-FFF2-40B4-BE49-F238E27FC236}">
-                <a16:creationId xmlns:a16="http://schemas.microsoft.com/office/drawing/2014/main" id="{556ADD72-6112-8AB1-1129-53A42642EEF1}"/>
+                <a16:creationId xmlns:a16="http://schemas.microsoft.com/office/drawing/2014/main" id="{79A8B2CB-2DE4-FEB9-6685-50781F65558D}"/>
               </a:ext>
             </a:extLst>
           </p:cNvPr>
@@ -1380,7 +1380,7 @@
           <p:cNvPr id="5" name="日期占位符 4">
             <a:extLst>
               <a:ext uri="{FF2B5EF4-FFF2-40B4-BE49-F238E27FC236}">
-                <a16:creationId xmlns:a16="http://schemas.microsoft.com/office/drawing/2014/main" id="{2BFB843F-4EBC-35D1-AE08-6E90B4A40C9F}"/>
+                <a16:creationId xmlns:a16="http://schemas.microsoft.com/office/drawing/2014/main" id="{A7716BD5-35BA-8552-109F-A019AA1C3A24}"/>
               </a:ext>
             </a:extLst>
           </p:cNvPr>
@@ -1396,7 +1396,7 @@
           <a:bodyPr/>
           <a:lstStyle/>
           <a:p>
-            <a:fld id="{1CDE0127-47C3-4BB6-85CF-23A6BE72F327}" type="datetimeFigureOut">
+            <a:fld id="{54D1DAF0-9582-4996-B5FC-1D5F1260277B}" type="datetimeFigureOut">
               <a:rPr lang="zh-CN" altLang="en-US" smtClean="0"/>
               <a:t>2024/3/10</a:t>
             </a:fld>
@@ -1409,7 +1409,7 @@
           <p:cNvPr id="6" name="页脚占位符 5">
             <a:extLst>
               <a:ext uri="{FF2B5EF4-FFF2-40B4-BE49-F238E27FC236}">
-                <a16:creationId xmlns:a16="http://schemas.microsoft.com/office/drawing/2014/main" id="{81D4C8EC-C567-0727-B9AA-B0E2367A48D1}"/>
+                <a16:creationId xmlns:a16="http://schemas.microsoft.com/office/drawing/2014/main" id="{B6D7E444-4F5B-0355-A26E-BB87BF04DF4D}"/>
               </a:ext>
             </a:extLst>
           </p:cNvPr>
@@ -1434,7 +1434,7 @@
           <p:cNvPr id="7" name="灯片编号占位符 6">
             <a:extLst>
               <a:ext uri="{FF2B5EF4-FFF2-40B4-BE49-F238E27FC236}">
-                <a16:creationId xmlns:a16="http://schemas.microsoft.com/office/drawing/2014/main" id="{C860E823-E467-700B-67C8-5D1DB1A13C62}"/>
+                <a16:creationId xmlns:a16="http://schemas.microsoft.com/office/drawing/2014/main" id="{13242549-9E6C-356B-DC9B-B87494BAF490}"/>
               </a:ext>
             </a:extLst>
           </p:cNvPr>
@@ -1450,7 +1450,7 @@
           <a:bodyPr/>
           <a:lstStyle/>
           <a:p>
-            <a:fld id="{F6035F14-D01F-4C21-9DC7-CF8218BFEB82}" type="slidenum">
+            <a:fld id="{D75125E8-9C3D-4F79-9EA3-5408E50D9E7F}" type="slidenum">
               <a:rPr lang="zh-CN" altLang="en-US" smtClean="0"/>
               <a:t>‹#›</a:t>
             </a:fld>
@@ -1461,7 +1461,7 @@
     </p:spTree>
     <p:extLst>
       <p:ext uri="{BB962C8B-B14F-4D97-AF65-F5344CB8AC3E}">
-        <p14:creationId xmlns:p14="http://schemas.microsoft.com/office/powerpoint/2010/main" val="907500543"/>
+        <p14:creationId xmlns:p14="http://schemas.microsoft.com/office/powerpoint/2010/main" val="3959784726"/>
       </p:ext>
     </p:extLst>
   </p:cSld>
@@ -1493,7 +1493,7 @@
           <p:cNvPr id="2" name="标题 1">
             <a:extLst>
               <a:ext uri="{FF2B5EF4-FFF2-40B4-BE49-F238E27FC236}">
-                <a16:creationId xmlns:a16="http://schemas.microsoft.com/office/drawing/2014/main" id="{4C773524-9B01-F5B6-C19F-0A5CCB11EEE7}"/>
+                <a16:creationId xmlns:a16="http://schemas.microsoft.com/office/drawing/2014/main" id="{B831D230-64EA-FFB0-B4AF-F942F40E6035}"/>
               </a:ext>
             </a:extLst>
           </p:cNvPr>
@@ -1526,7 +1526,7 @@
           <p:cNvPr id="3" name="文本占位符 2">
             <a:extLst>
               <a:ext uri="{FF2B5EF4-FFF2-40B4-BE49-F238E27FC236}">
-                <a16:creationId xmlns:a16="http://schemas.microsoft.com/office/drawing/2014/main" id="{B0CD5CF7-49A0-0E34-1B53-6CB20198FD30}"/>
+                <a16:creationId xmlns:a16="http://schemas.microsoft.com/office/drawing/2014/main" id="{039FC5D7-E1F1-EDBB-EB56-3CD1F6DFE41E}"/>
               </a:ext>
             </a:extLst>
           </p:cNvPr>
@@ -1597,7 +1597,7 @@
           <p:cNvPr id="4" name="内容占位符 3">
             <a:extLst>
               <a:ext uri="{FF2B5EF4-FFF2-40B4-BE49-F238E27FC236}">
-                <a16:creationId xmlns:a16="http://schemas.microsoft.com/office/drawing/2014/main" id="{166CAAF5-2DBC-B244-2C39-E6EAB618D354}"/>
+                <a16:creationId xmlns:a16="http://schemas.microsoft.com/office/drawing/2014/main" id="{D9E2BFF2-56AB-ADF9-5AED-C6CCF8FDCA49}"/>
               </a:ext>
             </a:extLst>
           </p:cNvPr>
@@ -1659,7 +1659,7 @@
           <p:cNvPr id="5" name="文本占位符 4">
             <a:extLst>
               <a:ext uri="{FF2B5EF4-FFF2-40B4-BE49-F238E27FC236}">
-                <a16:creationId xmlns:a16="http://schemas.microsoft.com/office/drawing/2014/main" id="{877A9DB0-8ECF-89AF-70E0-343BB5FD0824}"/>
+                <a16:creationId xmlns:a16="http://schemas.microsoft.com/office/drawing/2014/main" id="{D242AD23-0287-D9C5-094D-47FAF2689F94}"/>
               </a:ext>
             </a:extLst>
           </p:cNvPr>
@@ -1730,7 +1730,7 @@
           <p:cNvPr id="6" name="内容占位符 5">
             <a:extLst>
               <a:ext uri="{FF2B5EF4-FFF2-40B4-BE49-F238E27FC236}">
-                <a16:creationId xmlns:a16="http://schemas.microsoft.com/office/drawing/2014/main" id="{DEEF26DE-62D6-FEE8-7D08-E1AFC3A49485}"/>
+                <a16:creationId xmlns:a16="http://schemas.microsoft.com/office/drawing/2014/main" id="{B034FEDB-1BE6-0C66-F6B7-5CC9A9F8CF60}"/>
               </a:ext>
             </a:extLst>
           </p:cNvPr>
@@ -1792,7 +1792,7 @@
           <p:cNvPr id="7" name="日期占位符 6">
             <a:extLst>
               <a:ext uri="{FF2B5EF4-FFF2-40B4-BE49-F238E27FC236}">
-                <a16:creationId xmlns:a16="http://schemas.microsoft.com/office/drawing/2014/main" id="{7709BB54-CE97-6F0A-076C-5C73BB7E01C1}"/>
+                <a16:creationId xmlns:a16="http://schemas.microsoft.com/office/drawing/2014/main" id="{90993396-7C9C-057B-1739-C4004E1BF39A}"/>
               </a:ext>
             </a:extLst>
           </p:cNvPr>
@@ -1808,7 +1808,7 @@
           <a:bodyPr/>
           <a:lstStyle/>
           <a:p>
-            <a:fld id="{1CDE0127-47C3-4BB6-85CF-23A6BE72F327}" type="datetimeFigureOut">
+            <a:fld id="{54D1DAF0-9582-4996-B5FC-1D5F1260277B}" type="datetimeFigureOut">
               <a:rPr lang="zh-CN" altLang="en-US" smtClean="0"/>
               <a:t>2024/3/10</a:t>
             </a:fld>
@@ -1821,7 +1821,7 @@
           <p:cNvPr id="8" name="页脚占位符 7">
             <a:extLst>
               <a:ext uri="{FF2B5EF4-FFF2-40B4-BE49-F238E27FC236}">
-                <a16:creationId xmlns:a16="http://schemas.microsoft.com/office/drawing/2014/main" id="{092A5E7A-43E7-9AC2-8F54-B0DBA1851018}"/>
+                <a16:creationId xmlns:a16="http://schemas.microsoft.com/office/drawing/2014/main" id="{60F399E6-C4C7-8BC3-9124-7C2B846CEB7D}"/>
               </a:ext>
             </a:extLst>
           </p:cNvPr>
@@ -1846,7 +1846,7 @@
           <p:cNvPr id="9" name="灯片编号占位符 8">
             <a:extLst>
               <a:ext uri="{FF2B5EF4-FFF2-40B4-BE49-F238E27FC236}">
-                <a16:creationId xmlns:a16="http://schemas.microsoft.com/office/drawing/2014/main" id="{65EB7E04-C20D-4C1B-6653-9E7ACC836A2D}"/>
+                <a16:creationId xmlns:a16="http://schemas.microsoft.com/office/drawing/2014/main" id="{815C61F5-B660-A95A-04D6-E88AC33C3DDE}"/>
               </a:ext>
             </a:extLst>
           </p:cNvPr>
@@ -1862,7 +1862,7 @@
           <a:bodyPr/>
           <a:lstStyle/>
           <a:p>
-            <a:fld id="{F6035F14-D01F-4C21-9DC7-CF8218BFEB82}" type="slidenum">
+            <a:fld id="{D75125E8-9C3D-4F79-9EA3-5408E50D9E7F}" type="slidenum">
               <a:rPr lang="zh-CN" altLang="en-US" smtClean="0"/>
               <a:t>‹#›</a:t>
             </a:fld>
@@ -1873,7 +1873,7 @@
     </p:spTree>
     <p:extLst>
       <p:ext uri="{BB962C8B-B14F-4D97-AF65-F5344CB8AC3E}">
-        <p14:creationId xmlns:p14="http://schemas.microsoft.com/office/powerpoint/2010/main" val="2040043999"/>
+        <p14:creationId xmlns:p14="http://schemas.microsoft.com/office/powerpoint/2010/main" val="4034491656"/>
       </p:ext>
     </p:extLst>
   </p:cSld>
@@ -1905,7 +1905,7 @@
           <p:cNvPr id="2" name="标题 1">
             <a:extLst>
               <a:ext uri="{FF2B5EF4-FFF2-40B4-BE49-F238E27FC236}">
-                <a16:creationId xmlns:a16="http://schemas.microsoft.com/office/drawing/2014/main" id="{AD6EBC5B-3679-1FA8-55EA-F4FBCD8F901B}"/>
+                <a16:creationId xmlns:a16="http://schemas.microsoft.com/office/drawing/2014/main" id="{3ACD05A4-FC60-2687-E9E4-924FDCA0F8FC}"/>
               </a:ext>
             </a:extLst>
           </p:cNvPr>
@@ -1933,7 +1933,7 @@
           <p:cNvPr id="3" name="日期占位符 2">
             <a:extLst>
               <a:ext uri="{FF2B5EF4-FFF2-40B4-BE49-F238E27FC236}">
-                <a16:creationId xmlns:a16="http://schemas.microsoft.com/office/drawing/2014/main" id="{66DE663A-F644-687C-A308-4DCDEB14D9DE}"/>
+                <a16:creationId xmlns:a16="http://schemas.microsoft.com/office/drawing/2014/main" id="{A0DF3CC2-2B86-57CB-F3E6-7578AC0D234E}"/>
               </a:ext>
             </a:extLst>
           </p:cNvPr>
@@ -1949,7 +1949,7 @@
           <a:bodyPr/>
           <a:lstStyle/>
           <a:p>
-            <a:fld id="{1CDE0127-47C3-4BB6-85CF-23A6BE72F327}" type="datetimeFigureOut">
+            <a:fld id="{54D1DAF0-9582-4996-B5FC-1D5F1260277B}" type="datetimeFigureOut">
               <a:rPr lang="zh-CN" altLang="en-US" smtClean="0"/>
               <a:t>2024/3/10</a:t>
             </a:fld>
@@ -1962,7 +1962,7 @@
           <p:cNvPr id="4" name="页脚占位符 3">
             <a:extLst>
               <a:ext uri="{FF2B5EF4-FFF2-40B4-BE49-F238E27FC236}">
-                <a16:creationId xmlns:a16="http://schemas.microsoft.com/office/drawing/2014/main" id="{1BB65247-8A69-EB39-1C7B-AC847630205E}"/>
+                <a16:creationId xmlns:a16="http://schemas.microsoft.com/office/drawing/2014/main" id="{6AEB5CB9-E0F7-E933-82DE-AC0376EAB2CE}"/>
               </a:ext>
             </a:extLst>
           </p:cNvPr>
@@ -1987,7 +1987,7 @@
           <p:cNvPr id="5" name="灯片编号占位符 4">
             <a:extLst>
               <a:ext uri="{FF2B5EF4-FFF2-40B4-BE49-F238E27FC236}">
-                <a16:creationId xmlns:a16="http://schemas.microsoft.com/office/drawing/2014/main" id="{9F2F4117-19B7-BA8A-6418-5B5CDFE0A4E6}"/>
+                <a16:creationId xmlns:a16="http://schemas.microsoft.com/office/drawing/2014/main" id="{1D64534A-4F2A-FC81-D873-176D5E57737D}"/>
               </a:ext>
             </a:extLst>
           </p:cNvPr>
@@ -2003,7 +2003,7 @@
           <a:bodyPr/>
           <a:lstStyle/>
           <a:p>
-            <a:fld id="{F6035F14-D01F-4C21-9DC7-CF8218BFEB82}" type="slidenum">
+            <a:fld id="{D75125E8-9C3D-4F79-9EA3-5408E50D9E7F}" type="slidenum">
               <a:rPr lang="zh-CN" altLang="en-US" smtClean="0"/>
               <a:t>‹#›</a:t>
             </a:fld>
@@ -2014,7 +2014,7 @@
     </p:spTree>
     <p:extLst>
       <p:ext uri="{BB962C8B-B14F-4D97-AF65-F5344CB8AC3E}">
-        <p14:creationId xmlns:p14="http://schemas.microsoft.com/office/powerpoint/2010/main" val="3180842165"/>
+        <p14:creationId xmlns:p14="http://schemas.microsoft.com/office/powerpoint/2010/main" val="316548830"/>
       </p:ext>
     </p:extLst>
   </p:cSld>
@@ -2046,7 +2046,7 @@
           <p:cNvPr id="2" name="日期占位符 1">
             <a:extLst>
               <a:ext uri="{FF2B5EF4-FFF2-40B4-BE49-F238E27FC236}">
-                <a16:creationId xmlns:a16="http://schemas.microsoft.com/office/drawing/2014/main" id="{AD7B7CC1-75CC-AD97-737F-D669026AD311}"/>
+                <a16:creationId xmlns:a16="http://schemas.microsoft.com/office/drawing/2014/main" id="{76F348D4-6C9A-2000-CAB8-8D08FF16A4D5}"/>
               </a:ext>
             </a:extLst>
           </p:cNvPr>
@@ -2062,7 +2062,7 @@
           <a:bodyPr/>
           <a:lstStyle/>
           <a:p>
-            <a:fld id="{1CDE0127-47C3-4BB6-85CF-23A6BE72F327}" type="datetimeFigureOut">
+            <a:fld id="{54D1DAF0-9582-4996-B5FC-1D5F1260277B}" type="datetimeFigureOut">
               <a:rPr lang="zh-CN" altLang="en-US" smtClean="0"/>
               <a:t>2024/3/10</a:t>
             </a:fld>
@@ -2075,7 +2075,7 @@
           <p:cNvPr id="3" name="页脚占位符 2">
             <a:extLst>
               <a:ext uri="{FF2B5EF4-FFF2-40B4-BE49-F238E27FC236}">
-                <a16:creationId xmlns:a16="http://schemas.microsoft.com/office/drawing/2014/main" id="{19926D9C-A855-1F4C-F1F5-ABAF06355F80}"/>
+                <a16:creationId xmlns:a16="http://schemas.microsoft.com/office/drawing/2014/main" id="{E9A85B4C-49A9-389E-E94A-44361AD4743B}"/>
               </a:ext>
             </a:extLst>
           </p:cNvPr>
@@ -2100,7 +2100,7 @@
           <p:cNvPr id="4" name="灯片编号占位符 3">
             <a:extLst>
               <a:ext uri="{FF2B5EF4-FFF2-40B4-BE49-F238E27FC236}">
-                <a16:creationId xmlns:a16="http://schemas.microsoft.com/office/drawing/2014/main" id="{73124D52-A2B5-6A1C-B1CC-C0E5601C9A25}"/>
+                <a16:creationId xmlns:a16="http://schemas.microsoft.com/office/drawing/2014/main" id="{6CC8D3A6-EC0C-7979-35F8-C2F1BE6D27D4}"/>
               </a:ext>
             </a:extLst>
           </p:cNvPr>
@@ -2116,7 +2116,7 @@
           <a:bodyPr/>
           <a:lstStyle/>
           <a:p>
-            <a:fld id="{F6035F14-D01F-4C21-9DC7-CF8218BFEB82}" type="slidenum">
+            <a:fld id="{D75125E8-9C3D-4F79-9EA3-5408E50D9E7F}" type="slidenum">
               <a:rPr lang="zh-CN" altLang="en-US" smtClean="0"/>
               <a:t>‹#›</a:t>
             </a:fld>
@@ -2127,7 +2127,7 @@
     </p:spTree>
     <p:extLst>
       <p:ext uri="{BB962C8B-B14F-4D97-AF65-F5344CB8AC3E}">
-        <p14:creationId xmlns:p14="http://schemas.microsoft.com/office/powerpoint/2010/main" val="2679134323"/>
+        <p14:creationId xmlns:p14="http://schemas.microsoft.com/office/powerpoint/2010/main" val="976201068"/>
       </p:ext>
     </p:extLst>
   </p:cSld>
@@ -2159,7 +2159,7 @@
           <p:cNvPr id="2" name="标题 1">
             <a:extLst>
               <a:ext uri="{FF2B5EF4-FFF2-40B4-BE49-F238E27FC236}">
-                <a16:creationId xmlns:a16="http://schemas.microsoft.com/office/drawing/2014/main" id="{1E3C52C0-AD1D-995C-B3BD-FD2DBC30E4CC}"/>
+                <a16:creationId xmlns:a16="http://schemas.microsoft.com/office/drawing/2014/main" id="{97EEA39E-85E2-F21D-9B04-9B8A22933512}"/>
               </a:ext>
             </a:extLst>
           </p:cNvPr>
@@ -2196,7 +2196,7 @@
           <p:cNvPr id="3" name="内容占位符 2">
             <a:extLst>
               <a:ext uri="{FF2B5EF4-FFF2-40B4-BE49-F238E27FC236}">
-                <a16:creationId xmlns:a16="http://schemas.microsoft.com/office/drawing/2014/main" id="{6D9302F5-5F59-8F21-03AB-C33DB7BE398F}"/>
+                <a16:creationId xmlns:a16="http://schemas.microsoft.com/office/drawing/2014/main" id="{7CFA82AB-EA6D-9889-B16A-5F089FBB0159}"/>
               </a:ext>
             </a:extLst>
           </p:cNvPr>
@@ -2286,7 +2286,7 @@
           <p:cNvPr id="4" name="文本占位符 3">
             <a:extLst>
               <a:ext uri="{FF2B5EF4-FFF2-40B4-BE49-F238E27FC236}">
-                <a16:creationId xmlns:a16="http://schemas.microsoft.com/office/drawing/2014/main" id="{CB6F1760-E582-C5FF-AB43-CAFAC5105AF6}"/>
+                <a16:creationId xmlns:a16="http://schemas.microsoft.com/office/drawing/2014/main" id="{7DC3CE6D-E6CE-EAAE-8EE9-08E1EDC4F55B}"/>
               </a:ext>
             </a:extLst>
           </p:cNvPr>
@@ -2357,7 +2357,7 @@
           <p:cNvPr id="5" name="日期占位符 4">
             <a:extLst>
               <a:ext uri="{FF2B5EF4-FFF2-40B4-BE49-F238E27FC236}">
-                <a16:creationId xmlns:a16="http://schemas.microsoft.com/office/drawing/2014/main" id="{8D49E575-38B5-5834-FEAC-51972FAC331E}"/>
+                <a16:creationId xmlns:a16="http://schemas.microsoft.com/office/drawing/2014/main" id="{B9C9516B-F5DD-73B9-A764-8318142A13AF}"/>
               </a:ext>
             </a:extLst>
           </p:cNvPr>
@@ -2373,7 +2373,7 @@
           <a:bodyPr/>
           <a:lstStyle/>
           <a:p>
-            <a:fld id="{1CDE0127-47C3-4BB6-85CF-23A6BE72F327}" type="datetimeFigureOut">
+            <a:fld id="{54D1DAF0-9582-4996-B5FC-1D5F1260277B}" type="datetimeFigureOut">
               <a:rPr lang="zh-CN" altLang="en-US" smtClean="0"/>
               <a:t>2024/3/10</a:t>
             </a:fld>
@@ -2386,7 +2386,7 @@
           <p:cNvPr id="6" name="页脚占位符 5">
             <a:extLst>
               <a:ext uri="{FF2B5EF4-FFF2-40B4-BE49-F238E27FC236}">
-                <a16:creationId xmlns:a16="http://schemas.microsoft.com/office/drawing/2014/main" id="{0442982E-747D-982A-E1D4-084D07EC0200}"/>
+                <a16:creationId xmlns:a16="http://schemas.microsoft.com/office/drawing/2014/main" id="{6790FDF8-2DC7-A34E-C882-62B0F28CB9CC}"/>
               </a:ext>
             </a:extLst>
           </p:cNvPr>
@@ -2411,7 +2411,7 @@
           <p:cNvPr id="7" name="灯片编号占位符 6">
             <a:extLst>
               <a:ext uri="{FF2B5EF4-FFF2-40B4-BE49-F238E27FC236}">
-                <a16:creationId xmlns:a16="http://schemas.microsoft.com/office/drawing/2014/main" id="{331A85E8-20C2-26A6-0030-C1FD96F9AED1}"/>
+                <a16:creationId xmlns:a16="http://schemas.microsoft.com/office/drawing/2014/main" id="{77BE66C5-84A6-38B9-6D0E-333BE533640D}"/>
               </a:ext>
             </a:extLst>
           </p:cNvPr>
@@ -2427,7 +2427,7 @@
           <a:bodyPr/>
           <a:lstStyle/>
           <a:p>
-            <a:fld id="{F6035F14-D01F-4C21-9DC7-CF8218BFEB82}" type="slidenum">
+            <a:fld id="{D75125E8-9C3D-4F79-9EA3-5408E50D9E7F}" type="slidenum">
               <a:rPr lang="zh-CN" altLang="en-US" smtClean="0"/>
               <a:t>‹#›</a:t>
             </a:fld>
@@ -2438,7 +2438,7 @@
     </p:spTree>
     <p:extLst>
       <p:ext uri="{BB962C8B-B14F-4D97-AF65-F5344CB8AC3E}">
-        <p14:creationId xmlns:p14="http://schemas.microsoft.com/office/powerpoint/2010/main" val="2645576508"/>
+        <p14:creationId xmlns:p14="http://schemas.microsoft.com/office/powerpoint/2010/main" val="1277580841"/>
       </p:ext>
     </p:extLst>
   </p:cSld>
@@ -2470,7 +2470,7 @@
           <p:cNvPr id="2" name="标题 1">
             <a:extLst>
               <a:ext uri="{FF2B5EF4-FFF2-40B4-BE49-F238E27FC236}">
-                <a16:creationId xmlns:a16="http://schemas.microsoft.com/office/drawing/2014/main" id="{10E4F03C-D823-20AA-0EF0-22C5446F1E86}"/>
+                <a16:creationId xmlns:a16="http://schemas.microsoft.com/office/drawing/2014/main" id="{CB09532E-969A-C8E9-9968-8C6C5BAF1E28}"/>
               </a:ext>
             </a:extLst>
           </p:cNvPr>
@@ -2507,7 +2507,7 @@
           <p:cNvPr id="3" name="图片占位符 2">
             <a:extLst>
               <a:ext uri="{FF2B5EF4-FFF2-40B4-BE49-F238E27FC236}">
-                <a16:creationId xmlns:a16="http://schemas.microsoft.com/office/drawing/2014/main" id="{1034086C-56B6-BAC9-24AA-E1A85F5A4C9D}"/>
+                <a16:creationId xmlns:a16="http://schemas.microsoft.com/office/drawing/2014/main" id="{7E35411B-056D-B2F2-663D-5C18D10D675F}"/>
               </a:ext>
             </a:extLst>
           </p:cNvPr>
@@ -2574,7 +2574,7 @@
           <p:cNvPr id="4" name="文本占位符 3">
             <a:extLst>
               <a:ext uri="{FF2B5EF4-FFF2-40B4-BE49-F238E27FC236}">
-                <a16:creationId xmlns:a16="http://schemas.microsoft.com/office/drawing/2014/main" id="{AED5C06E-A5B6-544C-6F07-880006528733}"/>
+                <a16:creationId xmlns:a16="http://schemas.microsoft.com/office/drawing/2014/main" id="{09AEBA91-6434-49D3-2FC5-FB98A76336E2}"/>
               </a:ext>
             </a:extLst>
           </p:cNvPr>
@@ -2645,7 +2645,7 @@
           <p:cNvPr id="5" name="日期占位符 4">
             <a:extLst>
               <a:ext uri="{FF2B5EF4-FFF2-40B4-BE49-F238E27FC236}">
-                <a16:creationId xmlns:a16="http://schemas.microsoft.com/office/drawing/2014/main" id="{13EA60BD-A01A-414A-755B-0B92E691993B}"/>
+                <a16:creationId xmlns:a16="http://schemas.microsoft.com/office/drawing/2014/main" id="{701BC9BD-9154-00E2-AB36-A338AEBB8E69}"/>
               </a:ext>
             </a:extLst>
           </p:cNvPr>
@@ -2661,7 +2661,7 @@
           <a:bodyPr/>
           <a:lstStyle/>
           <a:p>
-            <a:fld id="{1CDE0127-47C3-4BB6-85CF-23A6BE72F327}" type="datetimeFigureOut">
+            <a:fld id="{54D1DAF0-9582-4996-B5FC-1D5F1260277B}" type="datetimeFigureOut">
               <a:rPr lang="zh-CN" altLang="en-US" smtClean="0"/>
               <a:t>2024/3/10</a:t>
             </a:fld>
@@ -2674,7 +2674,7 @@
           <p:cNvPr id="6" name="页脚占位符 5">
             <a:extLst>
               <a:ext uri="{FF2B5EF4-FFF2-40B4-BE49-F238E27FC236}">
-                <a16:creationId xmlns:a16="http://schemas.microsoft.com/office/drawing/2014/main" id="{574F0C75-A189-881A-F832-52E7EAB8815A}"/>
+                <a16:creationId xmlns:a16="http://schemas.microsoft.com/office/drawing/2014/main" id="{8507805D-3CA8-E1BD-D9BE-ABFEF5CB2339}"/>
               </a:ext>
             </a:extLst>
           </p:cNvPr>
@@ -2699,7 +2699,7 @@
           <p:cNvPr id="7" name="灯片编号占位符 6">
             <a:extLst>
               <a:ext uri="{FF2B5EF4-FFF2-40B4-BE49-F238E27FC236}">
-                <a16:creationId xmlns:a16="http://schemas.microsoft.com/office/drawing/2014/main" id="{FD743479-0C4C-F830-EB9A-308B2A604798}"/>
+                <a16:creationId xmlns:a16="http://schemas.microsoft.com/office/drawing/2014/main" id="{79839C64-1DAB-4F1A-440B-49E546E3A9EA}"/>
               </a:ext>
             </a:extLst>
           </p:cNvPr>
@@ -2715,7 +2715,7 @@
           <a:bodyPr/>
           <a:lstStyle/>
           <a:p>
-            <a:fld id="{F6035F14-D01F-4C21-9DC7-CF8218BFEB82}" type="slidenum">
+            <a:fld id="{D75125E8-9C3D-4F79-9EA3-5408E50D9E7F}" type="slidenum">
               <a:rPr lang="zh-CN" altLang="en-US" smtClean="0"/>
               <a:t>‹#›</a:t>
             </a:fld>
@@ -2726,7 +2726,7 @@
     </p:spTree>
     <p:extLst>
       <p:ext uri="{BB962C8B-B14F-4D97-AF65-F5344CB8AC3E}">
-        <p14:creationId xmlns:p14="http://schemas.microsoft.com/office/powerpoint/2010/main" val="3497082481"/>
+        <p14:creationId xmlns:p14="http://schemas.microsoft.com/office/powerpoint/2010/main" val="2482688408"/>
       </p:ext>
     </p:extLst>
   </p:cSld>
@@ -2763,7 +2763,7 @@
           <p:cNvPr id="2" name="标题占位符 1">
             <a:extLst>
               <a:ext uri="{FF2B5EF4-FFF2-40B4-BE49-F238E27FC236}">
-                <a16:creationId xmlns:a16="http://schemas.microsoft.com/office/drawing/2014/main" id="{378AD45A-53AE-279A-F8E8-B01B794131E5}"/>
+                <a16:creationId xmlns:a16="http://schemas.microsoft.com/office/drawing/2014/main" id="{67B09F4C-9204-C297-F82E-F266F5C54244}"/>
               </a:ext>
             </a:extLst>
           </p:cNvPr>
@@ -2801,7 +2801,7 @@
           <p:cNvPr id="3" name="文本占位符 2">
             <a:extLst>
               <a:ext uri="{FF2B5EF4-FFF2-40B4-BE49-F238E27FC236}">
-                <a16:creationId xmlns:a16="http://schemas.microsoft.com/office/drawing/2014/main" id="{EFDE5F5A-156B-A956-6C6B-9749F166D1CA}"/>
+                <a16:creationId xmlns:a16="http://schemas.microsoft.com/office/drawing/2014/main" id="{65C4CC5F-8142-FF99-1859-A4199F5C63C2}"/>
               </a:ext>
             </a:extLst>
           </p:cNvPr>
@@ -2868,7 +2868,7 @@
           <p:cNvPr id="4" name="日期占位符 3">
             <a:extLst>
               <a:ext uri="{FF2B5EF4-FFF2-40B4-BE49-F238E27FC236}">
-                <a16:creationId xmlns:a16="http://schemas.microsoft.com/office/drawing/2014/main" id="{E43BB7DE-1BF7-4D1C-F885-175DB804F897}"/>
+                <a16:creationId xmlns:a16="http://schemas.microsoft.com/office/drawing/2014/main" id="{4443D2CB-6120-CB0B-6A19-2C319DCA285D}"/>
               </a:ext>
             </a:extLst>
           </p:cNvPr>
@@ -2902,7 +2902,7 @@
             </a:lvl1pPr>
           </a:lstStyle>
           <a:p>
-            <a:fld id="{1CDE0127-47C3-4BB6-85CF-23A6BE72F327}" type="datetimeFigureOut">
+            <a:fld id="{54D1DAF0-9582-4996-B5FC-1D5F1260277B}" type="datetimeFigureOut">
               <a:rPr lang="zh-CN" altLang="en-US" smtClean="0"/>
               <a:t>2024/3/10</a:t>
             </a:fld>
@@ -2915,7 +2915,7 @@
           <p:cNvPr id="5" name="页脚占位符 4">
             <a:extLst>
               <a:ext uri="{FF2B5EF4-FFF2-40B4-BE49-F238E27FC236}">
-                <a16:creationId xmlns:a16="http://schemas.microsoft.com/office/drawing/2014/main" id="{E3A26002-8DC4-63C5-19D0-AE53B087CFAE}"/>
+                <a16:creationId xmlns:a16="http://schemas.microsoft.com/office/drawing/2014/main" id="{3E4868F7-41D2-EB3B-EDFD-149D7C283315}"/>
               </a:ext>
             </a:extLst>
           </p:cNvPr>
@@ -2958,7 +2958,7 @@
           <p:cNvPr id="6" name="灯片编号占位符 5">
             <a:extLst>
               <a:ext uri="{FF2B5EF4-FFF2-40B4-BE49-F238E27FC236}">
-                <a16:creationId xmlns:a16="http://schemas.microsoft.com/office/drawing/2014/main" id="{AC36DBB0-D930-7721-659F-FB78FF8D91AE}"/>
+                <a16:creationId xmlns:a16="http://schemas.microsoft.com/office/drawing/2014/main" id="{B2858AC5-66BB-A6CA-A728-53895D808AE8}"/>
               </a:ext>
             </a:extLst>
           </p:cNvPr>
@@ -2992,7 +2992,7 @@
             </a:lvl1pPr>
           </a:lstStyle>
           <a:p>
-            <a:fld id="{F6035F14-D01F-4C21-9DC7-CF8218BFEB82}" type="slidenum">
+            <a:fld id="{D75125E8-9C3D-4F79-9EA3-5408E50D9E7F}" type="slidenum">
               <a:rPr lang="zh-CN" altLang="en-US" smtClean="0"/>
               <a:t>‹#›</a:t>
             </a:fld>
@@ -3003,7 +3003,7 @@
     </p:spTree>
     <p:extLst>
       <p:ext uri="{BB962C8B-B14F-4D97-AF65-F5344CB8AC3E}">
-        <p14:creationId xmlns:p14="http://schemas.microsoft.com/office/powerpoint/2010/main" val="3234048401"/>
+        <p14:creationId xmlns:p14="http://schemas.microsoft.com/office/powerpoint/2010/main" val="2823652057"/>
       </p:ext>
     </p:extLst>
   </p:cSld>
